--- a/house_price_prediction.pptx
+++ b/house_price_prediction.pptx
@@ -24,12 +24,13 @@
     <p:sldId id="7295" r:id="rId17"/>
     <p:sldId id="7290" r:id="rId18"/>
     <p:sldId id="7297" r:id="rId19"/>
-    <p:sldId id="1231" r:id="rId20"/>
+    <p:sldId id="7299" r:id="rId20"/>
+    <p:sldId id="1231" r:id="rId21"/>
   </p:sldIdLst>
   <p:sldSz cx="12192000" cy="6858000"/>
   <p:notesSz cx="6858000" cy="9144000"/>
   <p:custDataLst>
-    <p:tags r:id="rId25"/>
+    <p:tags r:id="rId26"/>
   </p:custDataLst>
   <p:defaultTextStyle>
     <a:defPPr>
@@ -1248,6 +1249,62 @@
 </file>
 
 <file path=ppt/notesSlides/notesSlide6.xml><?xml version="1.0" encoding="utf-8"?>
+<p:notes xmlns:a="http://schemas.openxmlformats.org/drawingml/2006/main" xmlns:r="http://schemas.openxmlformats.org/officeDocument/2006/relationships" xmlns:p="http://schemas.openxmlformats.org/presentationml/2006/main">
+  <p:cSld>
+    <p:spTree>
+      <p:nvGrpSpPr>
+        <p:cNvPr id="1" name=""/>
+        <p:cNvGrpSpPr/>
+        <p:nvPr/>
+      </p:nvGrpSpPr>
+      <p:grpSpPr>
+        <a:xfrm>
+          <a:off x="0" y="0"/>
+          <a:ext cx="0" cy="0"/>
+          <a:chOff x="0" y="0"/>
+          <a:chExt cx="0" cy="0"/>
+        </a:xfrm>
+      </p:grpSpPr>
+      <p:sp>
+        <p:nvSpPr>
+          <p:cNvPr id="2" name="幻灯片图像占位符 1"/>
+          <p:cNvSpPr>
+            <a:spLocks noGrp="1" noRot="1" noChangeAspect="1"/>
+          </p:cNvSpPr>
+          <p:nvPr>
+            <p:ph type="sldImg"/>
+          </p:nvPr>
+        </p:nvSpPr>
+        <p:spPr/>
+      </p:sp>
+      <p:sp>
+        <p:nvSpPr>
+          <p:cNvPr id="3" name="备注占位符 2"/>
+          <p:cNvSpPr>
+            <a:spLocks noGrp="1"/>
+          </p:cNvSpPr>
+          <p:nvPr>
+            <p:ph type="body" idx="1"/>
+          </p:nvPr>
+        </p:nvSpPr>
+        <p:spPr/>
+        <p:txBody>
+          <a:bodyPr/>
+          <a:lstStyle/>
+          <a:p>
+            <a:endParaRPr lang="zh-CN" altLang="en-US" dirty="0"/>
+          </a:p>
+        </p:txBody>
+      </p:sp>
+    </p:spTree>
+  </p:cSld>
+  <p:clrMapOvr>
+    <a:masterClrMapping/>
+  </p:clrMapOvr>
+</p:notes>
+</file>
+
+<file path=ppt/notesSlides/notesSlide7.xml><?xml version="1.0" encoding="utf-8"?>
 <p:notes xmlns:a="http://schemas.openxmlformats.org/drawingml/2006/main" xmlns:r="http://schemas.openxmlformats.org/officeDocument/2006/relationships" xmlns:p="http://schemas.openxmlformats.org/presentationml/2006/main">
   <p:cSld>
     <p:spTree>
@@ -45380,6 +45437,370 @@
 </file>
 
 <file path=ppt/slides/slide7.xml><?xml version="1.0" encoding="utf-8"?>
+<p:sld xmlns:a="http://schemas.openxmlformats.org/drawingml/2006/main" xmlns:r="http://schemas.openxmlformats.org/officeDocument/2006/relationships" xmlns:p="http://schemas.openxmlformats.org/presentationml/2006/main">
+  <p:cSld>
+    <p:spTree>
+      <p:nvGrpSpPr>
+        <p:cNvPr id="1" name=""/>
+        <p:cNvGrpSpPr/>
+        <p:nvPr/>
+      </p:nvGrpSpPr>
+      <p:grpSpPr>
+        <a:xfrm>
+          <a:off x="0" y="0"/>
+          <a:ext cx="0" cy="0"/>
+          <a:chOff x="0" y="0"/>
+          <a:chExt cx="0" cy="0"/>
+        </a:xfrm>
+      </p:grpSpPr>
+      <p:sp>
+        <p:nvSpPr>
+          <p:cNvPr id="11" name="文本框 10"/>
+          <p:cNvSpPr txBox="1"/>
+          <p:nvPr/>
+        </p:nvSpPr>
+        <p:spPr>
+          <a:xfrm>
+            <a:off x="911424" y="260648"/>
+            <a:ext cx="4896544" cy="521970"/>
+          </a:xfrm>
+          <a:prstGeom prst="rect">
+            <a:avLst/>
+          </a:prstGeom>
+          <a:noFill/>
+        </p:spPr>
+        <p:txBody>
+          <a:bodyPr wrap="square" rtlCol="0">
+            <a:spAutoFit/>
+          </a:bodyPr>
+          <a:lstStyle/>
+          <a:p>
+            <a:r>
+              <a:rPr lang="en-US" sz="2800" b="1" dirty="0">
+                <a:latin typeface="Times New Roman" panose="02020603050405020304" pitchFamily="18" charset="0"/>
+                <a:ea typeface="微软雅黑" panose="020B0503020204020204" charset="-122"/>
+              </a:rPr>
+              <a:t>5.</a:t>
+            </a:r>
+            <a:r>
+              <a:rPr lang="zh-CN" altLang="en-US" sz="2800" b="1" dirty="0">
+                <a:latin typeface="Times New Roman" panose="02020603050405020304" pitchFamily="18" charset="0"/>
+                <a:ea typeface="微软雅黑" panose="020B0503020204020204" charset="-122"/>
+              </a:rPr>
+              <a:t>遇到的困难及</a:t>
+            </a:r>
+            <a:r>
+              <a:rPr lang="zh-CN" altLang="en-US" sz="2800" b="1" dirty="0">
+                <a:latin typeface="Times New Roman" panose="02020603050405020304" pitchFamily="18" charset="0"/>
+                <a:ea typeface="微软雅黑" panose="020B0503020204020204" charset="-122"/>
+              </a:rPr>
+              <a:t>收获</a:t>
+            </a:r>
+            <a:endParaRPr lang="zh-CN" altLang="en-US" sz="2800" b="1" dirty="0">
+              <a:latin typeface="Times New Roman" panose="02020603050405020304" pitchFamily="18" charset="0"/>
+              <a:ea typeface="微软雅黑" panose="020B0503020204020204" charset="-122"/>
+            </a:endParaRPr>
+          </a:p>
+        </p:txBody>
+      </p:sp>
+      <p:sp>
+        <p:nvSpPr>
+          <p:cNvPr id="3" name="文本框 2"/>
+          <p:cNvSpPr txBox="1"/>
+          <p:nvPr/>
+        </p:nvSpPr>
+        <p:spPr>
+          <a:xfrm>
+            <a:off x="710565" y="1393825"/>
+            <a:ext cx="8553450" cy="368300"/>
+          </a:xfrm>
+          <a:prstGeom prst="rect">
+            <a:avLst/>
+          </a:prstGeom>
+          <a:noFill/>
+        </p:spPr>
+        <p:txBody>
+          <a:bodyPr wrap="square" rtlCol="0">
+            <a:spAutoFit/>
+          </a:bodyPr>
+          <a:p>
+            <a:r>
+              <a:rPr lang="en-US" altLang="zh-CN"/>
+              <a:t>1.</a:t>
+            </a:r>
+            <a:r>
+              <a:rPr lang="zh-CN" altLang="en-US">
+                <a:sym typeface="+mn-ea"/>
+              </a:rPr>
+              <a:t>如何处理</a:t>
+            </a:r>
+            <a:r>
+              <a:rPr lang="zh-CN" altLang="en-US"/>
+              <a:t>分类数据？</a:t>
+            </a:r>
+            <a:endParaRPr lang="zh-CN" altLang="en-US"/>
+          </a:p>
+        </p:txBody>
+      </p:sp>
+      <p:sp>
+        <p:nvSpPr>
+          <p:cNvPr id="6" name="文本框 5"/>
+          <p:cNvSpPr txBox="1"/>
+          <p:nvPr/>
+        </p:nvSpPr>
+        <p:spPr>
+          <a:xfrm>
+            <a:off x="839470" y="1844675"/>
+            <a:ext cx="9228455" cy="2078990"/>
+          </a:xfrm>
+          <a:prstGeom prst="rect">
+            <a:avLst/>
+          </a:prstGeom>
+          <a:noFill/>
+        </p:spPr>
+        <p:txBody>
+          <a:bodyPr wrap="square" rtlCol="0">
+            <a:noAutofit/>
+          </a:bodyPr>
+          <a:p>
+            <a:r>
+              <a:rPr lang="zh-CN" altLang="en-US"/>
+              <a:t>尝试：将每个分类赋特定值以用于回归，但无法体现每个分类的贡献区别，误差</a:t>
+            </a:r>
+            <a:r>
+              <a:rPr lang="zh-CN" altLang="en-US"/>
+              <a:t>较大</a:t>
+            </a:r>
+            <a:endParaRPr lang="zh-CN" altLang="en-US"/>
+          </a:p>
+          <a:p>
+            <a:endParaRPr lang="zh-CN" altLang="en-US"/>
+          </a:p>
+          <a:p>
+            <a:r>
+              <a:rPr lang="zh-CN" altLang="en-US"/>
+              <a:t>解决：查阅资料，了解分类数据的一般处理</a:t>
+            </a:r>
+            <a:r>
+              <a:rPr lang="zh-CN" altLang="en-US"/>
+              <a:t>方法</a:t>
+            </a:r>
+            <a:endParaRPr lang="zh-CN" altLang="en-US"/>
+          </a:p>
+          <a:p>
+            <a:pPr marL="285750" indent="-285750">
+              <a:buFont typeface="Arial" panose="020B0604020202020204" pitchFamily="34" charset="0"/>
+              <a:buChar char="•"/>
+            </a:pPr>
+            <a:r>
+              <a:rPr lang="zh-CN" altLang="en-US"/>
+              <a:t>独热编码：适用于名义数据且类别</a:t>
+            </a:r>
+            <a:r>
+              <a:rPr lang="zh-CN" altLang="en-US"/>
+              <a:t>较少</a:t>
+            </a:r>
+            <a:endParaRPr lang="zh-CN" altLang="en-US"/>
+          </a:p>
+          <a:p>
+            <a:pPr marL="285750" indent="-285750">
+              <a:buFont typeface="Arial" panose="020B0604020202020204" pitchFamily="34" charset="0"/>
+              <a:buChar char="•"/>
+            </a:pPr>
+            <a:r>
+              <a:rPr lang="zh-CN" altLang="en-US"/>
+              <a:t>目标编码：适用于大量类别的</a:t>
+            </a:r>
+            <a:r>
+              <a:rPr lang="zh-CN" altLang="en-US"/>
+              <a:t>名义数据</a:t>
+            </a:r>
+            <a:endParaRPr lang="zh-CN" altLang="en-US"/>
+          </a:p>
+          <a:p>
+            <a:pPr marL="285750" indent="-285750">
+              <a:buFont typeface="Arial" panose="020B0604020202020204" pitchFamily="34" charset="0"/>
+              <a:buChar char="•"/>
+            </a:pPr>
+            <a:r>
+              <a:rPr lang="zh-CN" altLang="en-US"/>
+              <a:t>标签编码：适用于有序分类数据（尝试中想到的</a:t>
+            </a:r>
+            <a:r>
+              <a:rPr lang="zh-CN" altLang="en-US"/>
+              <a:t>方法）</a:t>
+            </a:r>
+            <a:endParaRPr lang="zh-CN" altLang="en-US"/>
+          </a:p>
+          <a:p>
+            <a:pPr>
+              <a:buFont typeface="Arial" panose="020B0604020202020204" pitchFamily="34" charset="0"/>
+            </a:pPr>
+            <a:r>
+              <a:rPr lang="zh-CN" altLang="en-US"/>
+              <a:t>经过分析最后选择使用</a:t>
+            </a:r>
+            <a:r>
+              <a:rPr lang="zh-CN" altLang="en-US"/>
+              <a:t>独热编码</a:t>
+            </a:r>
+            <a:endParaRPr lang="zh-CN" altLang="en-US"/>
+          </a:p>
+          <a:p>
+            <a:pPr>
+              <a:buFont typeface="Arial" panose="020B0604020202020204" pitchFamily="34" charset="0"/>
+            </a:pPr>
+            <a:endParaRPr lang="zh-CN" altLang="en-US"/>
+          </a:p>
+          <a:p>
+            <a:pPr>
+              <a:buFont typeface="Arial" panose="020B0604020202020204" pitchFamily="34" charset="0"/>
+            </a:pPr>
+            <a:endParaRPr lang="zh-CN" altLang="en-US"/>
+          </a:p>
+        </p:txBody>
+      </p:sp>
+      <p:sp>
+        <p:nvSpPr>
+          <p:cNvPr id="8" name="文本框 7"/>
+          <p:cNvSpPr txBox="1"/>
+          <p:nvPr/>
+        </p:nvSpPr>
+        <p:spPr>
+          <a:xfrm>
+            <a:off x="692150" y="4027805"/>
+            <a:ext cx="8571865" cy="523875"/>
+          </a:xfrm>
+          <a:prstGeom prst="rect">
+            <a:avLst/>
+          </a:prstGeom>
+          <a:noFill/>
+        </p:spPr>
+        <p:txBody>
+          <a:bodyPr wrap="square" rtlCol="0">
+            <a:noAutofit/>
+          </a:bodyPr>
+          <a:p>
+            <a:r>
+              <a:rPr lang="en-US" altLang="zh-CN"/>
+              <a:t>2.</a:t>
+            </a:r>
+            <a:r>
+              <a:rPr lang="zh-CN" altLang="en-US"/>
+              <a:t>对于分类</a:t>
+            </a:r>
+            <a:r>
+              <a:rPr lang="zh-CN" altLang="en-US"/>
+              <a:t>数据如何处理</a:t>
+            </a:r>
+            <a:r>
+              <a:rPr lang="zh-CN" altLang="en-US"/>
+              <a:t>缺失值？</a:t>
+            </a:r>
+            <a:endParaRPr lang="zh-CN" altLang="en-US"/>
+          </a:p>
+          <a:p>
+            <a:endParaRPr lang="zh-CN" altLang="en-US"/>
+          </a:p>
+          <a:p>
+            <a:endParaRPr lang="zh-CN" altLang="en-US"/>
+          </a:p>
+        </p:txBody>
+      </p:sp>
+      <p:sp>
+        <p:nvSpPr>
+          <p:cNvPr id="9" name="文本框 8"/>
+          <p:cNvSpPr txBox="1"/>
+          <p:nvPr/>
+        </p:nvSpPr>
+        <p:spPr>
+          <a:xfrm>
+            <a:off x="747395" y="4437380"/>
+            <a:ext cx="8949055" cy="1198880"/>
+          </a:xfrm>
+          <a:prstGeom prst="rect">
+            <a:avLst/>
+          </a:prstGeom>
+          <a:noFill/>
+        </p:spPr>
+        <p:txBody>
+          <a:bodyPr wrap="square" rtlCol="0">
+            <a:spAutoFit/>
+          </a:bodyPr>
+          <a:p>
+            <a:r>
+              <a:rPr lang="zh-CN" altLang="en-US">
+                <a:sym typeface="+mn-ea"/>
+              </a:rPr>
+              <a:t>对于数值数据，可以简单地在标准化后采用平均值</a:t>
+            </a:r>
+            <a:r>
+              <a:rPr lang="en-US" altLang="zh-CN">
+                <a:sym typeface="+mn-ea"/>
+              </a:rPr>
+              <a:t>0</a:t>
+            </a:r>
+            <a:r>
+              <a:rPr lang="zh-CN" altLang="en-US">
+                <a:sym typeface="+mn-ea"/>
+              </a:rPr>
+              <a:t>填充，而分类数据无法如此操作；可以使用出现频次最高的分类填充，但科学性</a:t>
+            </a:r>
+            <a:r>
+              <a:rPr lang="zh-CN" altLang="en-US">
+                <a:sym typeface="+mn-ea"/>
+              </a:rPr>
+              <a:t>欠佳</a:t>
+            </a:r>
+            <a:endParaRPr lang="zh-CN" altLang="en-US">
+              <a:sym typeface="+mn-ea"/>
+            </a:endParaRPr>
+          </a:p>
+          <a:p>
+            <a:endParaRPr lang="zh-CN" altLang="en-US">
+              <a:sym typeface="+mn-ea"/>
+            </a:endParaRPr>
+          </a:p>
+          <a:p>
+            <a:r>
+              <a:rPr lang="zh-CN" altLang="en-US">
+                <a:sym typeface="+mn-ea"/>
+              </a:rPr>
+              <a:t>解决：直接将</a:t>
+            </a:r>
+            <a:r>
+              <a:rPr lang="en-US" altLang="zh-CN">
+                <a:sym typeface="+mn-ea"/>
+              </a:rPr>
+              <a:t>NA</a:t>
+            </a:r>
+            <a:r>
+              <a:rPr lang="zh-CN" altLang="en-US">
+                <a:sym typeface="+mn-ea"/>
+              </a:rPr>
+              <a:t>作为一个分类</a:t>
+            </a:r>
+            <a:r>
+              <a:rPr lang="zh-CN" altLang="en-US">
+                <a:sym typeface="+mn-ea"/>
+              </a:rPr>
+              <a:t>处理</a:t>
+            </a:r>
+            <a:endParaRPr lang="zh-CN" altLang="en-US">
+              <a:sym typeface="+mn-ea"/>
+            </a:endParaRPr>
+          </a:p>
+        </p:txBody>
+      </p:sp>
+    </p:spTree>
+  </p:cSld>
+  <p:clrMapOvr>
+    <a:masterClrMapping/>
+  </p:clrMapOvr>
+</p:sld>
+</file>
+
+<file path=ppt/slides/slide8.xml><?xml version="1.0" encoding="utf-8"?>
 <p:sld xmlns:a="http://schemas.openxmlformats.org/drawingml/2006/main" xmlns:r="http://schemas.openxmlformats.org/officeDocument/2006/relationships" xmlns:p="http://schemas.openxmlformats.org/presentationml/2006/main">
   <p:cSld>
     <p:spTree>
